--- a/img/cleanning/לוז נקיון.pptx
+++ b/img/cleanning/לוז נקיון.pptx
@@ -261,7 +261,7 @@
           <a:p>
             <a:fld id="{D1236A61-2C0D-4EC2-9D08-4F48E5C9121B}" type="datetimeFigureOut">
               <a:rPr lang="en-IL" smtClean="0"/>
-              <a:t>14/06/2022</a:t>
+              <a:t>29/06/2022</a:t>
             </a:fld>
             <a:endParaRPr lang="en-IL"/>
           </a:p>
@@ -461,7 +461,7 @@
           <a:p>
             <a:fld id="{D1236A61-2C0D-4EC2-9D08-4F48E5C9121B}" type="datetimeFigureOut">
               <a:rPr lang="en-IL" smtClean="0"/>
-              <a:t>14/06/2022</a:t>
+              <a:t>29/06/2022</a:t>
             </a:fld>
             <a:endParaRPr lang="en-IL"/>
           </a:p>
@@ -671,7 +671,7 @@
           <a:p>
             <a:fld id="{D1236A61-2C0D-4EC2-9D08-4F48E5C9121B}" type="datetimeFigureOut">
               <a:rPr lang="en-IL" smtClean="0"/>
-              <a:t>14/06/2022</a:t>
+              <a:t>29/06/2022</a:t>
             </a:fld>
             <a:endParaRPr lang="en-IL"/>
           </a:p>
@@ -871,7 +871,7 @@
           <a:p>
             <a:fld id="{D1236A61-2C0D-4EC2-9D08-4F48E5C9121B}" type="datetimeFigureOut">
               <a:rPr lang="en-IL" smtClean="0"/>
-              <a:t>14/06/2022</a:t>
+              <a:t>29/06/2022</a:t>
             </a:fld>
             <a:endParaRPr lang="en-IL"/>
           </a:p>
@@ -1147,7 +1147,7 @@
           <a:p>
             <a:fld id="{D1236A61-2C0D-4EC2-9D08-4F48E5C9121B}" type="datetimeFigureOut">
               <a:rPr lang="en-IL" smtClean="0"/>
-              <a:t>14/06/2022</a:t>
+              <a:t>29/06/2022</a:t>
             </a:fld>
             <a:endParaRPr lang="en-IL"/>
           </a:p>
@@ -1415,7 +1415,7 @@
           <a:p>
             <a:fld id="{D1236A61-2C0D-4EC2-9D08-4F48E5C9121B}" type="datetimeFigureOut">
               <a:rPr lang="en-IL" smtClean="0"/>
-              <a:t>14/06/2022</a:t>
+              <a:t>29/06/2022</a:t>
             </a:fld>
             <a:endParaRPr lang="en-IL"/>
           </a:p>
@@ -1830,7 +1830,7 @@
           <a:p>
             <a:fld id="{D1236A61-2C0D-4EC2-9D08-4F48E5C9121B}" type="datetimeFigureOut">
               <a:rPr lang="en-IL" smtClean="0"/>
-              <a:t>14/06/2022</a:t>
+              <a:t>29/06/2022</a:t>
             </a:fld>
             <a:endParaRPr lang="en-IL"/>
           </a:p>
@@ -1972,7 +1972,7 @@
           <a:p>
             <a:fld id="{D1236A61-2C0D-4EC2-9D08-4F48E5C9121B}" type="datetimeFigureOut">
               <a:rPr lang="en-IL" smtClean="0"/>
-              <a:t>14/06/2022</a:t>
+              <a:t>29/06/2022</a:t>
             </a:fld>
             <a:endParaRPr lang="en-IL"/>
           </a:p>
@@ -2085,7 +2085,7 @@
           <a:p>
             <a:fld id="{D1236A61-2C0D-4EC2-9D08-4F48E5C9121B}" type="datetimeFigureOut">
               <a:rPr lang="en-IL" smtClean="0"/>
-              <a:t>14/06/2022</a:t>
+              <a:t>29/06/2022</a:t>
             </a:fld>
             <a:endParaRPr lang="en-IL"/>
           </a:p>
@@ -2398,7 +2398,7 @@
           <a:p>
             <a:fld id="{D1236A61-2C0D-4EC2-9D08-4F48E5C9121B}" type="datetimeFigureOut">
               <a:rPr lang="en-IL" smtClean="0"/>
-              <a:t>14/06/2022</a:t>
+              <a:t>29/06/2022</a:t>
             </a:fld>
             <a:endParaRPr lang="en-IL"/>
           </a:p>
@@ -2687,7 +2687,7 @@
           <a:p>
             <a:fld id="{D1236A61-2C0D-4EC2-9D08-4F48E5C9121B}" type="datetimeFigureOut">
               <a:rPr lang="en-IL" smtClean="0"/>
-              <a:t>14/06/2022</a:t>
+              <a:t>29/06/2022</a:t>
             </a:fld>
             <a:endParaRPr lang="en-IL"/>
           </a:p>
@@ -2930,7 +2930,7 @@
           <a:p>
             <a:fld id="{D1236A61-2C0D-4EC2-9D08-4F48E5C9121B}" type="datetimeFigureOut">
               <a:rPr lang="en-IL" smtClean="0"/>
-              <a:t>14/06/2022</a:t>
+              <a:t>29/06/2022</a:t>
             </a:fld>
             <a:endParaRPr lang="en-IL"/>
           </a:p>
@@ -3362,7 +3362,7 @@
           <p:nvPr>
             <p:extLst>
               <p:ext uri="{D42A27DB-BD31-4B8C-83A1-F6EECF244321}">
-                <p14:modId xmlns:p14="http://schemas.microsoft.com/office/powerpoint/2010/main" val="11441426"/>
+                <p14:modId xmlns:p14="http://schemas.microsoft.com/office/powerpoint/2010/main" val="3971485645"/>
               </p:ext>
             </p:extLst>
           </p:nvPr>
@@ -3457,7 +3457,7 @@
                       </a:pPr>
                       <a:r>
                         <a:rPr lang="he-IL" dirty="0"/>
-                        <a:t>נקיון לובאים (טיטוא, שתיפת ריצפה, ובישום)</a:t>
+                        <a:t>נקיון לובי בקומות כניסה, 1- (טיטוא, שתיפת ריצפה, ובישום)</a:t>
                       </a:r>
                     </a:p>
                     <a:p>
@@ -3568,13 +3568,26 @@
                       <a:endParaRPr lang="he-IL" dirty="0"/>
                     </a:p>
                     <a:p>
-                      <a:pPr marL="285750" indent="-285750" algn="r" rtl="1">
+                      <a:pPr marL="285750" marR="0" lvl="0" indent="-285750" algn="r" defTabSz="914400" rtl="1" eaLnBrk="1" fontAlgn="auto" latinLnBrk="0" hangingPunct="1">
+                        <a:lnSpc>
+                          <a:spcPct val="100000"/>
+                        </a:lnSpc>
+                        <a:spcBef>
+                          <a:spcPts val="0"/>
+                        </a:spcBef>
+                        <a:spcAft>
+                          <a:spcPts val="0"/>
+                        </a:spcAft>
+                        <a:buClrTx/>
+                        <a:buSzTx/>
                         <a:buFont typeface="Arial" panose="020B0604020202020204" pitchFamily="34" charset="0"/>
                         <a:buChar char="•"/>
+                        <a:tabLst/>
+                        <a:defRPr/>
                       </a:pPr>
                       <a:r>
                         <a:rPr lang="he-IL" dirty="0"/>
-                        <a:t>ניקוי דלתות המעליות</a:t>
+                        <a:t>נקיון לובי בקומות 1-9 (טיטוא, שתיפת ריצפה, ובישום)</a:t>
                       </a:r>
                     </a:p>
                     <a:p>
@@ -3584,7 +3597,7 @@
                       </a:pPr>
                       <a:r>
                         <a:rPr lang="he-IL" dirty="0"/>
-                        <a:t>ניקוי דלת היציאה אל המדרגות</a:t>
+                        <a:t>ניקוי דלתות המעליות ודלת היציאה אל המדרגות</a:t>
                       </a:r>
                     </a:p>
                     <a:p>

--- a/img/cleanning/לוז נקיון.pptx
+++ b/img/cleanning/לוז נקיון.pptx
@@ -3362,7 +3362,7 @@
           <p:nvPr>
             <p:extLst>
               <p:ext uri="{D42A27DB-BD31-4B8C-83A1-F6EECF244321}">
-                <p14:modId xmlns:p14="http://schemas.microsoft.com/office/powerpoint/2010/main" val="3971485645"/>
+                <p14:modId xmlns:p14="http://schemas.microsoft.com/office/powerpoint/2010/main" val="1643546435"/>
               </p:ext>
             </p:extLst>
           </p:nvPr>
@@ -3457,7 +3457,7 @@
                       </a:pPr>
                       <a:r>
                         <a:rPr lang="he-IL" dirty="0"/>
-                        <a:t>נקיון לובי בקומות כניסה, 1- (טיטוא, שתיפת ריצפה, ובישום)</a:t>
+                        <a:t>נקיון לובי בקומות כניסה, 1- (טיטוא, שטיפת ריצפה, ובישום)</a:t>
                       </a:r>
                     </a:p>
                     <a:p>
@@ -3477,7 +3477,7 @@
                       </a:pPr>
                       <a:r>
                         <a:rPr lang="he-IL" dirty="0"/>
-                        <a:t>ניקוי חדר האשפה (טיטוא, שתיפת ריצפה, הסרת ליכלוך בולט)</a:t>
+                        <a:t>ניקוי חדר האשפה (טיטוא, שטיפת ריצפה, הסרת ליכלוך בולט)</a:t>
                       </a:r>
                       <a:endParaRPr lang="en-US" dirty="0"/>
                     </a:p>
@@ -3587,7 +3587,7 @@
                       </a:pPr>
                       <a:r>
                         <a:rPr lang="he-IL" dirty="0"/>
-                        <a:t>נקיון לובי בקומות 1-9 (טיטוא, שתיפת ריצפה, ובישום)</a:t>
+                        <a:t>נקיון לובי בקומות 1-9 (טיטוא, שטיפת ריצפה, ובישום)</a:t>
                       </a:r>
                     </a:p>
                     <a:p>
